--- a/gulp/gulp.pptx
+++ b/gulp/gulp.pptx
@@ -3682,7 +3682,7 @@
         <p:spPr>
           <a:xfrm>
             <a:off x="1093787" y="1081087"/>
-            <a:ext cx="4606387" cy="584775"/>
+            <a:ext cx="4401203" cy="584775"/>
           </a:xfrm>
           <a:prstGeom prst="rect">
             <a:avLst/>
@@ -3717,7 +3717,19 @@
             </a:r>
             <a:r>
               <a:rPr dirty="0" smtClean="0"/>
-              <a:t>：grunt-con</a:t>
+              <a:t>：</a:t>
+            </a:r>
+            <a:r>
+              <a:rPr dirty="0" smtClean="0"/>
+              <a:t>g</a:t>
+            </a:r>
+            <a:r>
+              <a:rPr lang="en-US" altLang="zh-CN" dirty="0" smtClean="0"/>
+              <a:t>ulp</a:t>
+            </a:r>
+            <a:r>
+              <a:rPr dirty="0" smtClean="0"/>
+              <a:t>-con</a:t>
             </a:r>
             <a:r>
               <a:rPr lang="en-US" altLang="zh-CN" dirty="0" smtClean="0"/>
@@ -6392,11 +6404,6 @@
               </a:rPr>
               <a:t>  </a:t>
             </a:r>
-            <a:endParaRPr lang="zh-CN" altLang="en-US" dirty="0" smtClean="0">
-              <a:latin typeface="宋体"/>
-              <a:ea typeface="宋体"/>
-              <a:cs typeface="宋体"/>
-            </a:endParaRPr>
           </a:p>
           <a:p>
             <a:pPr lvl="1" indent="228600" defTabSz="457200">
@@ -8142,7 +8149,7 @@
           </a:p>
           <a:p>
             <a:r>
-              <a:rPr lang="en-US" altLang="zh-CN" smtClean="0"/>
+              <a:rPr lang="en-US" altLang="zh-CN" dirty="0" smtClean="0"/>
               <a:t>copy</a:t>
             </a:r>
             <a:endParaRPr lang="zh-CN" altLang="en-US" dirty="0" smtClean="0"/>
@@ -8494,12 +8501,8 @@
               <a:t> 插件名 </a:t>
             </a:r>
             <a:r>
-              <a:rPr lang="en-US" altLang="zh-CN" smtClean="0"/>
-              <a:t>--</a:t>
-            </a:r>
-            <a:r>
               <a:rPr lang="en-US" altLang="zh-CN" dirty="0" smtClean="0"/>
-              <a:t>save-</a:t>
+              <a:t>--save-</a:t>
             </a:r>
             <a:r>
               <a:rPr lang="en-US" altLang="zh-CN" dirty="0" err="1" smtClean="0"/>
@@ -9584,6 +9587,294 @@
           </a:prstGeom>
         </p:spPr>
       </p:pic>
+      <p:sp>
+        <p:nvSpPr>
+          <p:cNvPr id="3" name="文本框 2"/>
+          <p:cNvSpPr txBox="1"/>
+          <p:nvPr/>
+        </p:nvSpPr>
+        <p:spPr>
+          <a:xfrm>
+            <a:off x="1509823" y="5199321"/>
+            <a:ext cx="8112642" cy="584773"/>
+          </a:xfrm>
+          <a:prstGeom prst="rect">
+            <a:avLst/>
+          </a:prstGeom>
+          <a:noFill/>
+          <a:ln w="12700" cap="flat">
+            <a:noFill/>
+            <a:miter lim="400000"/>
+          </a:ln>
+          <a:effectLst/>
+          <a:sp3d/>
+        </p:spPr>
+        <p:style>
+          <a:lnRef idx="0">
+            <a:scrgbClr r="0" g="0" b="0"/>
+          </a:lnRef>
+          <a:fillRef idx="0">
+            <a:scrgbClr r="0" g="0" b="0"/>
+          </a:fillRef>
+          <a:effectRef idx="0">
+            <a:scrgbClr r="0" g="0" b="0"/>
+          </a:effectRef>
+          <a:fontRef idx="none"/>
+        </p:style>
+        <p:txBody>
+          <a:bodyPr rot="0" spcFirstLastPara="1" vertOverflow="overflow" horzOverflow="overflow" vert="horz" wrap="square" lIns="45719" tIns="45719" rIns="45719" bIns="45719" numCol="1" spcCol="38100" rtlCol="0" anchor="t">
+            <a:spAutoFit/>
+          </a:bodyPr>
+          <a:lstStyle/>
+          <a:p>
+            <a:pPr marL="0" marR="0" indent="0" algn="l" defTabSz="914400" rtl="0" fontAlgn="auto" latinLnBrk="0" hangingPunct="0">
+              <a:lnSpc>
+                <a:spcPct val="100000"/>
+              </a:lnSpc>
+              <a:spcBef>
+                <a:spcPts val="0"/>
+              </a:spcBef>
+              <a:spcAft>
+                <a:spcPts val="0"/>
+              </a:spcAft>
+              <a:buClrTx/>
+              <a:buSzTx/>
+              <a:buFontTx/>
+              <a:buNone/>
+              <a:tabLst/>
+            </a:pPr>
+            <a:r>
+              <a:rPr kumimoji="0" lang="en-US" altLang="zh-CN" sz="3200" b="0" i="0" u="none" strike="noStrike" cap="none" spc="0" normalizeH="0" baseline="0" dirty="0" err="1" smtClean="0">
+                <a:ln>
+                  <a:noFill/>
+                </a:ln>
+                <a:solidFill>
+                  <a:srgbClr val="000000"/>
+                </a:solidFill>
+                <a:effectLst/>
+                <a:uFillTx/>
+                <a:latin typeface="+mn-lt"/>
+                <a:ea typeface="+mn-ea"/>
+                <a:cs typeface="+mn-cs"/>
+                <a:sym typeface="Calibri"/>
+              </a:rPr>
+              <a:t>npm</a:t>
+            </a:r>
+            <a:r>
+              <a:rPr kumimoji="0" lang="zh-CN" altLang="en-US" sz="3200" b="0" i="0" u="none" strike="noStrike" cap="none" spc="0" normalizeH="0" baseline="0" dirty="0" smtClean="0">
+                <a:ln>
+                  <a:noFill/>
+                </a:ln>
+                <a:solidFill>
+                  <a:srgbClr val="000000"/>
+                </a:solidFill>
+                <a:effectLst/>
+                <a:uFillTx/>
+                <a:latin typeface="+mn-lt"/>
+                <a:ea typeface="+mn-ea"/>
+                <a:cs typeface="+mn-cs"/>
+                <a:sym typeface="Calibri"/>
+              </a:rPr>
+              <a:t> </a:t>
+            </a:r>
+            <a:r>
+              <a:rPr kumimoji="0" lang="en-US" altLang="zh-CN" sz="3200" b="0" i="0" u="none" strike="noStrike" cap="none" spc="0" normalizeH="0" baseline="0" dirty="0" smtClean="0">
+                <a:ln>
+                  <a:noFill/>
+                </a:ln>
+                <a:solidFill>
+                  <a:srgbClr val="000000"/>
+                </a:solidFill>
+                <a:effectLst/>
+                <a:uFillTx/>
+                <a:latin typeface="+mn-lt"/>
+                <a:ea typeface="+mn-ea"/>
+                <a:cs typeface="+mn-cs"/>
+                <a:sym typeface="Calibri"/>
+              </a:rPr>
+              <a:t>install</a:t>
+            </a:r>
+            <a:r>
+              <a:rPr kumimoji="0" lang="zh-CN" altLang="en-US" sz="3200" b="0" i="0" u="none" strike="noStrike" cap="none" spc="0" normalizeH="0" baseline="0" dirty="0" smtClean="0">
+                <a:ln>
+                  <a:noFill/>
+                </a:ln>
+                <a:solidFill>
+                  <a:srgbClr val="000000"/>
+                </a:solidFill>
+                <a:effectLst/>
+                <a:uFillTx/>
+                <a:latin typeface="+mn-lt"/>
+                <a:ea typeface="+mn-ea"/>
+                <a:cs typeface="+mn-cs"/>
+                <a:sym typeface="Calibri"/>
+              </a:rPr>
+              <a:t> </a:t>
+            </a:r>
+            <a:r>
+              <a:rPr kumimoji="0" lang="en-US" altLang="zh-CN" sz="3200" b="0" i="0" u="none" strike="noStrike" cap="none" spc="0" normalizeH="0" baseline="0" dirty="0" smtClean="0">
+                <a:ln>
+                  <a:noFill/>
+                </a:ln>
+                <a:solidFill>
+                  <a:srgbClr val="000000"/>
+                </a:solidFill>
+                <a:effectLst/>
+                <a:uFillTx/>
+                <a:latin typeface="+mn-lt"/>
+                <a:ea typeface="+mn-ea"/>
+                <a:cs typeface="+mn-cs"/>
+                <a:sym typeface="Calibri"/>
+              </a:rPr>
+              <a:t>gulp-connect</a:t>
+            </a:r>
+            <a:r>
+              <a:rPr kumimoji="0" lang="zh-CN" altLang="en-US" sz="3200" b="0" i="0" u="none" strike="noStrike" cap="none" spc="0" normalizeH="0" baseline="0" dirty="0" smtClean="0">
+                <a:ln>
+                  <a:noFill/>
+                </a:ln>
+                <a:solidFill>
+                  <a:srgbClr val="000000"/>
+                </a:solidFill>
+                <a:effectLst/>
+                <a:uFillTx/>
+                <a:latin typeface="+mn-lt"/>
+                <a:ea typeface="+mn-ea"/>
+                <a:cs typeface="+mn-cs"/>
+                <a:sym typeface="Calibri"/>
+              </a:rPr>
+              <a:t> </a:t>
+            </a:r>
+            <a:r>
+              <a:rPr kumimoji="0" lang="en-US" altLang="zh-CN" sz="3200" b="0" i="0" u="none" strike="noStrike" cap="none" spc="0" normalizeH="0" baseline="0" dirty="0" smtClean="0">
+                <a:ln>
+                  <a:noFill/>
+                </a:ln>
+                <a:solidFill>
+                  <a:srgbClr val="000000"/>
+                </a:solidFill>
+                <a:effectLst/>
+                <a:uFillTx/>
+                <a:latin typeface="+mn-lt"/>
+                <a:ea typeface="+mn-ea"/>
+                <a:cs typeface="+mn-cs"/>
+                <a:sym typeface="Calibri"/>
+              </a:rPr>
+              <a:t>–save-</a:t>
+            </a:r>
+            <a:r>
+              <a:rPr kumimoji="0" lang="en-US" altLang="zh-CN" sz="3200" b="0" i="0" u="none" strike="noStrike" cap="none" spc="0" normalizeH="0" baseline="0" dirty="0" err="1" smtClean="0">
+                <a:ln>
+                  <a:noFill/>
+                </a:ln>
+                <a:solidFill>
+                  <a:srgbClr val="000000"/>
+                </a:solidFill>
+                <a:effectLst/>
+                <a:uFillTx/>
+                <a:latin typeface="+mn-lt"/>
+                <a:ea typeface="+mn-ea"/>
+                <a:cs typeface="+mn-cs"/>
+                <a:sym typeface="Calibri"/>
+              </a:rPr>
+              <a:t>dev</a:t>
+            </a:r>
+            <a:r>
+              <a:rPr kumimoji="0" lang="zh-CN" altLang="en-US" sz="3200" b="0" i="0" u="none" strike="noStrike" cap="none" spc="0" normalizeH="0" dirty="0" smtClean="0">
+                <a:ln>
+                  <a:noFill/>
+                </a:ln>
+                <a:solidFill>
+                  <a:srgbClr val="000000"/>
+                </a:solidFill>
+                <a:effectLst/>
+                <a:uFillTx/>
+                <a:latin typeface="+mn-lt"/>
+                <a:ea typeface="+mn-ea"/>
+                <a:cs typeface="+mn-cs"/>
+                <a:sym typeface="Calibri"/>
+              </a:rPr>
+              <a:t> </a:t>
+            </a:r>
+            <a:endParaRPr kumimoji="0" lang="zh-CN" altLang="en-US" sz="3200" b="0" i="0" u="none" strike="noStrike" cap="none" spc="0" normalizeH="0" baseline="0" dirty="0">
+              <a:ln>
+                <a:noFill/>
+              </a:ln>
+              <a:solidFill>
+                <a:srgbClr val="000000"/>
+              </a:solidFill>
+              <a:effectLst/>
+              <a:uFillTx/>
+              <a:latin typeface="+mn-lt"/>
+              <a:ea typeface="+mn-ea"/>
+              <a:cs typeface="+mn-cs"/>
+              <a:sym typeface="Calibri"/>
+            </a:endParaRPr>
+          </a:p>
+        </p:txBody>
+      </p:sp>
+      <p:sp>
+        <p:nvSpPr>
+          <p:cNvPr id="4" name="文本框 3"/>
+          <p:cNvSpPr txBox="1"/>
+          <p:nvPr/>
+        </p:nvSpPr>
+        <p:spPr>
+          <a:xfrm>
+            <a:off x="3785191" y="6230679"/>
+            <a:ext cx="2052804" cy="584773"/>
+          </a:xfrm>
+          <a:prstGeom prst="rect">
+            <a:avLst/>
+          </a:prstGeom>
+          <a:noFill/>
+          <a:ln w="12700" cap="flat">
+            <a:noFill/>
+            <a:miter lim="400000"/>
+          </a:ln>
+          <a:effectLst/>
+          <a:sp3d/>
+        </p:spPr>
+        <p:style>
+          <a:lnRef idx="0">
+            <a:scrgbClr r="0" g="0" b="0"/>
+          </a:lnRef>
+          <a:fillRef idx="0">
+            <a:scrgbClr r="0" g="0" b="0"/>
+          </a:fillRef>
+          <a:effectRef idx="0">
+            <a:scrgbClr r="0" g="0" b="0"/>
+          </a:effectRef>
+          <a:fontRef idx="none"/>
+        </p:style>
+        <p:txBody>
+          <a:bodyPr rot="0" spcFirstLastPara="1" vertOverflow="overflow" horzOverflow="overflow" vert="horz" wrap="none" lIns="45719" tIns="45719" rIns="45719" bIns="45719" numCol="1" spcCol="38100" rtlCol="0" anchor="t">
+            <a:spAutoFit/>
+          </a:bodyPr>
+          <a:lstStyle/>
+          <a:p>
+            <a:r>
+              <a:rPr lang="en-US" altLang="zh-CN" sz="3200" dirty="0"/>
+              <a:t>gulp-</a:t>
+            </a:r>
+            <a:r>
+              <a:rPr lang="en-US" altLang="zh-CN" sz="3200" dirty="0" err="1"/>
+              <a:t>concat</a:t>
+            </a:r>
+            <a:endParaRPr kumimoji="0" lang="zh-CN" altLang="en-US" sz="3200" b="0" i="0" u="none" strike="noStrike" cap="none" spc="0" normalizeH="0" baseline="0" dirty="0">
+              <a:ln>
+                <a:noFill/>
+              </a:ln>
+              <a:solidFill>
+                <a:srgbClr val="000000"/>
+              </a:solidFill>
+              <a:effectLst/>
+              <a:uFillTx/>
+              <a:sym typeface="Calibri"/>
+            </a:endParaRPr>
+          </a:p>
+        </p:txBody>
+      </p:sp>
     </p:spTree>
   </p:cSld>
   <p:clrMapOvr>
